--- a/docs/Version-0.pptx
+++ b/docs/Version-0.pptx
@@ -6327,7 +6327,7 @@
 </file>
 
 <file path=ppt/slides/slide12.xml><?xml version="1.0" encoding="utf-8"?>
-<p:sld xmlns:a="http://schemas.openxmlformats.org/drawingml/2006/main" xmlns:r="http://schemas.openxmlformats.org/officeDocument/2006/relationships" xmlns:p="http://schemas.openxmlformats.org/presentationml/2006/main">
+<p:sld xmlns:a="http://schemas.openxmlformats.org/drawingml/2006/main" xmlns:r="http://schemas.openxmlformats.org/officeDocument/2006/relationships" xmlns:p="http://schemas.openxmlformats.org/presentationml/2006/main" showMasterSp="0">
   <p:cSld>
     <p:spTree>
       <p:nvGrpSpPr>
@@ -6378,6 +6378,36 @@
           </a:p>
         </p:txBody>
       </p:sp>
+      <p:pic>
+        <p:nvPicPr>
+          <p:cNvPr id="4" name="תמונה 3">
+            <a:extLst>
+              <a:ext uri="{FF2B5EF4-FFF2-40B4-BE49-F238E27FC236}">
+                <a16:creationId xmlns:a16="http://schemas.microsoft.com/office/drawing/2014/main" id="{394C8E0E-6D96-4662-8275-19B032ECB83F}"/>
+              </a:ext>
+            </a:extLst>
+          </p:cNvPr>
+          <p:cNvPicPr>
+            <a:picLocks noChangeAspect="1"/>
+          </p:cNvPicPr>
+          <p:nvPr/>
+        </p:nvPicPr>
+        <p:blipFill>
+          <a:blip r:embed="rId2"/>
+          <a:stretch>
+            <a:fillRect/>
+          </a:stretch>
+        </p:blipFill>
+        <p:spPr>
+          <a:xfrm>
+            <a:off x="1035791" y="799070"/>
+            <a:ext cx="4581238" cy="5560166"/>
+          </a:xfrm>
+          <a:prstGeom prst="rect">
+            <a:avLst/>
+          </a:prstGeom>
+        </p:spPr>
+      </p:pic>
     </p:spTree>
     <p:extLst>
       <p:ext uri="{BB962C8B-B14F-4D97-AF65-F5344CB8AC3E}">
@@ -6392,7 +6422,7 @@
 </file>
 
 <file path=ppt/slides/slide13.xml><?xml version="1.0" encoding="utf-8"?>
-<p:sld xmlns:a="http://schemas.openxmlformats.org/drawingml/2006/main" xmlns:r="http://schemas.openxmlformats.org/officeDocument/2006/relationships" xmlns:p="http://schemas.openxmlformats.org/presentationml/2006/main">
+<p:sld xmlns:a="http://schemas.openxmlformats.org/drawingml/2006/main" xmlns:r="http://schemas.openxmlformats.org/officeDocument/2006/relationships" xmlns:p="http://schemas.openxmlformats.org/presentationml/2006/main" showMasterSp="0">
   <p:cSld>
     <p:spTree>
       <p:nvGrpSpPr>
